--- a/.gitbook/assets/chapter-05-kor (1).pptx
+++ b/.gitbook/assets/chapter-05-kor (1).pptx
@@ -785,7 +785,7 @@
               <a:pPr>
                 <a:defRPr/>
               </a:pPr>
-              <a:t>2020-01-12</a:t>
+              <a:t>2020-01-08</a:t>
             </a:fld>
             <a:endParaRPr lang="ko-KR" altLang="en-US"/>
           </a:p>
@@ -1242,6 +1242,36 @@
           </a:p>
         </p:txBody>
       </p:sp>
+      <p:pic>
+        <p:nvPicPr>
+          <p:cNvPr id="8" name="그림 7"/>
+          <p:cNvPicPr>
+            <a:picLocks noChangeAspect="1"/>
+          </p:cNvPicPr>
+          <p:nvPr userDrawn="1"/>
+        </p:nvPicPr>
+        <p:blipFill>
+          <a:blip r:embed="rId2" cstate="print">
+            <a:extLst>
+              <a:ext uri="{28A0092B-C50C-407E-A947-70E740481C1C}">
+                <a14:useLocalDpi xmlns:a14="http://schemas.microsoft.com/office/drawing/2010/main" val="0"/>
+              </a:ext>
+            </a:extLst>
+          </a:blip>
+          <a:stretch>
+            <a:fillRect/>
+          </a:stretch>
+        </p:blipFill>
+        <p:spPr>
+          <a:xfrm>
+            <a:off x="-108520" y="143635"/>
+            <a:ext cx="2255525" cy="1146050"/>
+          </a:xfrm>
+          <a:prstGeom prst="rect">
+            <a:avLst/>
+          </a:prstGeom>
+        </p:spPr>
+      </p:pic>
       <p:sp>
         <p:nvSpPr>
           <p:cNvPr id="71" name="정오각형 70"/>
@@ -2011,7 +2041,7 @@
               <a:pPr>
                 <a:defRPr/>
               </a:pPr>
-              <a:t>Sunday, January 12, 2020</a:t>
+              <a:t>Wednesday, January 8, 2020</a:t>
             </a:fld>
             <a:endParaRPr lang="en-US" dirty="0"/>
           </a:p>
@@ -2204,7 +2234,7 @@
               <a:pPr>
                 <a:defRPr/>
               </a:pPr>
-              <a:t>Sunday, January 12, 2020</a:t>
+              <a:t>Wednesday, January 8, 2020</a:t>
             </a:fld>
             <a:endParaRPr lang="en-US"/>
           </a:p>
@@ -2314,7 +2344,7 @@
               <a:pPr>
                 <a:defRPr/>
               </a:pPr>
-              <a:t>Sunday, January 12, 2020</a:t>
+              <a:t>Wednesday, January 8, 2020</a:t>
             </a:fld>
             <a:endParaRPr lang="en-US" dirty="0"/>
           </a:p>
@@ -2674,7 +2704,7 @@
               <a:pPr>
                 <a:defRPr/>
               </a:pPr>
-              <a:t>Sunday, January 12, 2020</a:t>
+              <a:t>Wednesday, January 8, 2020</a:t>
             </a:fld>
             <a:endParaRPr lang="en-US"/>
           </a:p>
@@ -2974,7 +3004,7 @@
               <a:pPr>
                 <a:defRPr/>
               </a:pPr>
-              <a:t>Sunday, January 12, 2020</a:t>
+              <a:t>Wednesday, January 8, 2020</a:t>
             </a:fld>
             <a:endParaRPr lang="en-US"/>
           </a:p>
@@ -3408,7 +3438,7 @@
               <a:pPr>
                 <a:defRPr/>
               </a:pPr>
-              <a:t>Sunday, January 12, 2020</a:t>
+              <a:t>Wednesday, January 8, 2020</a:t>
             </a:fld>
             <a:endParaRPr lang="en-US"/>
           </a:p>
@@ -3540,7 +3570,7 @@
               <a:pPr>
                 <a:defRPr/>
               </a:pPr>
-              <a:t>Sunday, January 12, 2020</a:t>
+              <a:t>Wednesday, January 8, 2020</a:t>
             </a:fld>
             <a:endParaRPr lang="en-US" dirty="0"/>
           </a:p>
@@ -3650,7 +3680,7 @@
               <a:pPr>
                 <a:defRPr/>
               </a:pPr>
-              <a:t>Sunday, January 12, 2020</a:t>
+              <a:t>Wednesday, January 8, 2020</a:t>
             </a:fld>
             <a:endParaRPr lang="en-US"/>
           </a:p>
@@ -3940,7 +3970,7 @@
               <a:pPr>
                 <a:defRPr/>
               </a:pPr>
-              <a:t>Sunday, January 12, 2020</a:t>
+              <a:t>Wednesday, January 8, 2020</a:t>
             </a:fld>
             <a:endParaRPr lang="en-US" dirty="0"/>
           </a:p>
@@ -4207,7 +4237,7 @@
               <a:pPr>
                 <a:defRPr/>
               </a:pPr>
-              <a:t>Sunday, January 12, 2020</a:t>
+              <a:t>Wednesday, January 8, 2020</a:t>
             </a:fld>
             <a:endParaRPr lang="en-US"/>
           </a:p>
@@ -4500,7 +4530,7 @@
               <a:pPr>
                 <a:defRPr/>
               </a:pPr>
-              <a:t>Sunday, January 12, 2020</a:t>
+              <a:t>Wednesday, January 8, 2020</a:t>
             </a:fld>
             <a:endParaRPr lang="en-US" dirty="0"/>
           </a:p>
@@ -4649,8 +4679,8 @@
         </p:nvSpPr>
         <p:spPr bwMode="auto">
           <a:xfrm>
-            <a:off x="8391012" y="6489340"/>
-            <a:ext cx="575800" cy="253916"/>
+            <a:off x="8397425" y="6489340"/>
+            <a:ext cx="569387" cy="261610"/>
           </a:xfrm>
           <a:prstGeom prst="rect">
             <a:avLst/>
@@ -4795,7 +4825,7 @@
               <a:defRPr/>
             </a:pPr>
             <a:fld id="{F60B237E-1E27-414E-981E-8B20D038C067}" type="slidenum">
-              <a:rPr lang="en-US" altLang="ko-KR" sz="1050" b="1" smtClean="0">
+              <a:rPr lang="en-US" altLang="ko-KR" sz="1050" smtClean="0">
                 <a:latin typeface="+mn-ea"/>
                 <a:ea typeface="+mn-ea"/>
               </a:rPr>
@@ -4805,16 +4835,12 @@
               <a:t>‹#›</a:t>
             </a:fld>
             <a:r>
-              <a:rPr lang="en-US" altLang="ko-KR" sz="1050" b="1" dirty="0" smtClean="0">
-                <a:latin typeface="+mn-ea"/>
-                <a:ea typeface="+mn-ea"/>
-              </a:rPr>
-              <a:t>/16</a:t>
-            </a:r>
-            <a:endParaRPr lang="en-US" altLang="ko-KR" sz="1050" b="1" dirty="0">
-              <a:latin typeface="+mn-ea"/>
-              <a:ea typeface="+mn-ea"/>
-            </a:endParaRPr>
+              <a:rPr lang="en-US" altLang="ko-KR" sz="1050" dirty="0">
+                <a:latin typeface="+mn-ea"/>
+                <a:ea typeface="+mn-ea"/>
+              </a:rPr>
+              <a:t>/31</a:t>
+            </a:r>
           </a:p>
         </p:txBody>
       </p:sp>
@@ -8087,7 +8113,7 @@
           <a:graphicData uri="http://schemas.openxmlformats.org/presentationml/2006/ole">
             <mc:AlternateContent xmlns:mc="http://schemas.openxmlformats.org/markup-compatibility/2006">
               <mc:Choice xmlns:v="urn:schemas-microsoft-com:vml" Requires="v">
-                <p:oleObj spid="_x0000_s3076" name="Equation" r:id="rId4" imgW="3543120" imgH="342720" progId="Equation.DSMT4">
+                <p:oleObj spid="_x0000_s3074" name="Equation" r:id="rId4" imgW="3543120" imgH="342720" progId="Equation.DSMT4">
                   <p:embed/>
                 </p:oleObj>
               </mc:Choice>
@@ -8713,10 +8739,6 @@
               <a:rPr kumimoji="0" lang="ko-KR" altLang="en-US" dirty="0"/>
               <a:t>장</a:t>
             </a:r>
-            <a:r>
-              <a:rPr kumimoji="0" lang="en-US" altLang="ko-KR" dirty="0"/>
-              <a:t/>
-            </a:r>
             <a:br>
               <a:rPr kumimoji="0" lang="en-US" altLang="ko-KR" dirty="0"/>
             </a:br>
@@ -8844,6 +8866,106 @@
                 <a:ea typeface="+mn-ea"/>
               </a:rPr>
               <a:t>감마분포</a:t>
+            </a:r>
+            <a:r>
+              <a:rPr lang="en-US" altLang="ko-KR" sz="2400" b="1" dirty="0">
+                <a:latin typeface="+mn-ea"/>
+                <a:ea typeface="+mn-ea"/>
+              </a:rPr>
+              <a:t>*</a:t>
+            </a:r>
+            <a:endParaRPr lang="ko-KR" altLang="en-US" sz="2400" b="1" dirty="0">
+              <a:latin typeface="+mn-ea"/>
+              <a:ea typeface="+mn-ea"/>
+            </a:endParaRPr>
+          </a:p>
+        </p:txBody>
+      </p:sp>
+      <p:sp>
+        <p:nvSpPr>
+          <p:cNvPr id="13" name="TextBox 12"/>
+          <p:cNvSpPr txBox="1"/>
+          <p:nvPr/>
+        </p:nvSpPr>
+        <p:spPr>
+          <a:xfrm>
+            <a:off x="1580404" y="4304199"/>
+            <a:ext cx="2952328" cy="461665"/>
+          </a:xfrm>
+          <a:prstGeom prst="rect">
+            <a:avLst/>
+          </a:prstGeom>
+          <a:noFill/>
+        </p:spPr>
+        <p:txBody>
+          <a:bodyPr wrap="square" rtlCol="0">
+            <a:spAutoFit/>
+          </a:bodyPr>
+          <a:lstStyle/>
+          <a:p>
+            <a:r>
+              <a:rPr lang="en-US" altLang="ko-KR" sz="2400" b="1" dirty="0">
+                <a:latin typeface="+mn-ea"/>
+                <a:ea typeface="+mn-ea"/>
+              </a:rPr>
+              <a:t>4. </a:t>
+            </a:r>
+            <a:r>
+              <a:rPr lang="ko-KR" altLang="en-US" sz="2400" b="1" dirty="0" err="1">
+                <a:latin typeface="+mn-ea"/>
+                <a:ea typeface="+mn-ea"/>
+              </a:rPr>
+              <a:t>와이블분포</a:t>
+            </a:r>
+            <a:r>
+              <a:rPr lang="en-US" altLang="ko-KR" sz="2400" b="1" dirty="0">
+                <a:latin typeface="+mn-ea"/>
+                <a:ea typeface="+mn-ea"/>
+              </a:rPr>
+              <a:t>*</a:t>
+            </a:r>
+            <a:endParaRPr lang="ko-KR" altLang="en-US" sz="2400" b="1" dirty="0">
+              <a:latin typeface="+mn-ea"/>
+              <a:ea typeface="+mn-ea"/>
+            </a:endParaRPr>
+          </a:p>
+        </p:txBody>
+      </p:sp>
+      <p:sp>
+        <p:nvSpPr>
+          <p:cNvPr id="14" name="TextBox 13"/>
+          <p:cNvSpPr txBox="1"/>
+          <p:nvPr/>
+        </p:nvSpPr>
+        <p:spPr>
+          <a:xfrm>
+            <a:off x="1580404" y="4827419"/>
+            <a:ext cx="2952328" cy="461665"/>
+          </a:xfrm>
+          <a:prstGeom prst="rect">
+            <a:avLst/>
+          </a:prstGeom>
+          <a:noFill/>
+        </p:spPr>
+        <p:txBody>
+          <a:bodyPr wrap="square" rtlCol="0">
+            <a:spAutoFit/>
+          </a:bodyPr>
+          <a:lstStyle/>
+          <a:p>
+            <a:r>
+              <a:rPr lang="en-US" altLang="ko-KR" sz="2400" b="1" dirty="0">
+                <a:latin typeface="+mn-ea"/>
+                <a:ea typeface="+mn-ea"/>
+              </a:rPr>
+              <a:t>5. </a:t>
+            </a:r>
+            <a:r>
+              <a:rPr lang="ko-KR" altLang="en-US" sz="2400" b="1" dirty="0">
+                <a:latin typeface="+mn-ea"/>
+                <a:ea typeface="+mn-ea"/>
+              </a:rPr>
+              <a:t>베타분포</a:t>
             </a:r>
             <a:r>
               <a:rPr lang="en-US" altLang="ko-KR" sz="2400" b="1" dirty="0">
@@ -9237,7 +9359,7 @@
           <a:graphicData uri="http://schemas.openxmlformats.org/presentationml/2006/ole">
             <mc:AlternateContent xmlns:mc="http://schemas.openxmlformats.org/markup-compatibility/2006">
               <mc:Choice xmlns:v="urn:schemas-microsoft-com:vml" Requires="v">
-                <p:oleObj spid="_x0000_s1028" name="Equation" r:id="rId3" imgW="1473120" imgH="342720" progId="Equation.DSMT4">
+                <p:oleObj spid="_x0000_s1026" name="Equation" r:id="rId3" imgW="1473120" imgH="342720" progId="Equation.DSMT4">
                   <p:embed/>
                 </p:oleObj>
               </mc:Choice>
@@ -11198,7 +11320,7 @@
           <a:graphicData uri="http://schemas.openxmlformats.org/presentationml/2006/ole">
             <mc:AlternateContent xmlns:mc="http://schemas.openxmlformats.org/markup-compatibility/2006">
               <mc:Choice xmlns:v="urn:schemas-microsoft-com:vml" Requires="v">
-                <p:oleObj spid="_x0000_s2052" name="Equation" r:id="rId3" imgW="1498320" imgH="342720" progId="Equation.DSMT4">
+                <p:oleObj spid="_x0000_s2050" name="Equation" r:id="rId3" imgW="1498320" imgH="342720" progId="Equation.DSMT4">
                   <p:embed/>
                 </p:oleObj>
               </mc:Choice>

--- a/.gitbook/assets/chapter-05-kor (1).pptx
+++ b/.gitbook/assets/chapter-05-kor (1).pptx
@@ -785,7 +785,7 @@
               <a:pPr>
                 <a:defRPr/>
               </a:pPr>
-              <a:t>2020-01-08</a:t>
+              <a:t>2020-01-12</a:t>
             </a:fld>
             <a:endParaRPr lang="ko-KR" altLang="en-US"/>
           </a:p>
@@ -1242,36 +1242,6 @@
           </a:p>
         </p:txBody>
       </p:sp>
-      <p:pic>
-        <p:nvPicPr>
-          <p:cNvPr id="8" name="그림 7"/>
-          <p:cNvPicPr>
-            <a:picLocks noChangeAspect="1"/>
-          </p:cNvPicPr>
-          <p:nvPr userDrawn="1"/>
-        </p:nvPicPr>
-        <p:blipFill>
-          <a:blip r:embed="rId2" cstate="print">
-            <a:extLst>
-              <a:ext uri="{28A0092B-C50C-407E-A947-70E740481C1C}">
-                <a14:useLocalDpi xmlns:a14="http://schemas.microsoft.com/office/drawing/2010/main" val="0"/>
-              </a:ext>
-            </a:extLst>
-          </a:blip>
-          <a:stretch>
-            <a:fillRect/>
-          </a:stretch>
-        </p:blipFill>
-        <p:spPr>
-          <a:xfrm>
-            <a:off x="-108520" y="143635"/>
-            <a:ext cx="2255525" cy="1146050"/>
-          </a:xfrm>
-          <a:prstGeom prst="rect">
-            <a:avLst/>
-          </a:prstGeom>
-        </p:spPr>
-      </p:pic>
       <p:sp>
         <p:nvSpPr>
           <p:cNvPr id="71" name="정오각형 70"/>
@@ -2041,7 +2011,7 @@
               <a:pPr>
                 <a:defRPr/>
               </a:pPr>
-              <a:t>Wednesday, January 8, 2020</a:t>
+              <a:t>Sunday, January 12, 2020</a:t>
             </a:fld>
             <a:endParaRPr lang="en-US" dirty="0"/>
           </a:p>
@@ -2234,7 +2204,7 @@
               <a:pPr>
                 <a:defRPr/>
               </a:pPr>
-              <a:t>Wednesday, January 8, 2020</a:t>
+              <a:t>Sunday, January 12, 2020</a:t>
             </a:fld>
             <a:endParaRPr lang="en-US"/>
           </a:p>
@@ -2344,7 +2314,7 @@
               <a:pPr>
                 <a:defRPr/>
               </a:pPr>
-              <a:t>Wednesday, January 8, 2020</a:t>
+              <a:t>Sunday, January 12, 2020</a:t>
             </a:fld>
             <a:endParaRPr lang="en-US" dirty="0"/>
           </a:p>
@@ -2704,7 +2674,7 @@
               <a:pPr>
                 <a:defRPr/>
               </a:pPr>
-              <a:t>Wednesday, January 8, 2020</a:t>
+              <a:t>Sunday, January 12, 2020</a:t>
             </a:fld>
             <a:endParaRPr lang="en-US"/>
           </a:p>
@@ -3004,7 +2974,7 @@
               <a:pPr>
                 <a:defRPr/>
               </a:pPr>
-              <a:t>Wednesday, January 8, 2020</a:t>
+              <a:t>Sunday, January 12, 2020</a:t>
             </a:fld>
             <a:endParaRPr lang="en-US"/>
           </a:p>
@@ -3438,7 +3408,7 @@
               <a:pPr>
                 <a:defRPr/>
               </a:pPr>
-              <a:t>Wednesday, January 8, 2020</a:t>
+              <a:t>Sunday, January 12, 2020</a:t>
             </a:fld>
             <a:endParaRPr lang="en-US"/>
           </a:p>
@@ -3570,7 +3540,7 @@
               <a:pPr>
                 <a:defRPr/>
               </a:pPr>
-              <a:t>Wednesday, January 8, 2020</a:t>
+              <a:t>Sunday, January 12, 2020</a:t>
             </a:fld>
             <a:endParaRPr lang="en-US" dirty="0"/>
           </a:p>
@@ -3680,7 +3650,7 @@
               <a:pPr>
                 <a:defRPr/>
               </a:pPr>
-              <a:t>Wednesday, January 8, 2020</a:t>
+              <a:t>Sunday, January 12, 2020</a:t>
             </a:fld>
             <a:endParaRPr lang="en-US"/>
           </a:p>
@@ -3970,7 +3940,7 @@
               <a:pPr>
                 <a:defRPr/>
               </a:pPr>
-              <a:t>Wednesday, January 8, 2020</a:t>
+              <a:t>Sunday, January 12, 2020</a:t>
             </a:fld>
             <a:endParaRPr lang="en-US" dirty="0"/>
           </a:p>
@@ -4237,7 +4207,7 @@
               <a:pPr>
                 <a:defRPr/>
               </a:pPr>
-              <a:t>Wednesday, January 8, 2020</a:t>
+              <a:t>Sunday, January 12, 2020</a:t>
             </a:fld>
             <a:endParaRPr lang="en-US"/>
           </a:p>
@@ -4530,7 +4500,7 @@
               <a:pPr>
                 <a:defRPr/>
               </a:pPr>
-              <a:t>Wednesday, January 8, 2020</a:t>
+              <a:t>Sunday, January 12, 2020</a:t>
             </a:fld>
             <a:endParaRPr lang="en-US" dirty="0"/>
           </a:p>
@@ -4679,8 +4649,8 @@
         </p:nvSpPr>
         <p:spPr bwMode="auto">
           <a:xfrm>
-            <a:off x="8397425" y="6489340"/>
-            <a:ext cx="569387" cy="261610"/>
+            <a:off x="8391012" y="6489340"/>
+            <a:ext cx="575800" cy="253916"/>
           </a:xfrm>
           <a:prstGeom prst="rect">
             <a:avLst/>
@@ -4825,7 +4795,7 @@
               <a:defRPr/>
             </a:pPr>
             <a:fld id="{F60B237E-1E27-414E-981E-8B20D038C067}" type="slidenum">
-              <a:rPr lang="en-US" altLang="ko-KR" sz="1050" smtClean="0">
+              <a:rPr lang="en-US" altLang="ko-KR" sz="1050" b="1" smtClean="0">
                 <a:latin typeface="+mn-ea"/>
                 <a:ea typeface="+mn-ea"/>
               </a:rPr>
@@ -4835,12 +4805,16 @@
               <a:t>‹#›</a:t>
             </a:fld>
             <a:r>
-              <a:rPr lang="en-US" altLang="ko-KR" sz="1050" dirty="0">
-                <a:latin typeface="+mn-ea"/>
-                <a:ea typeface="+mn-ea"/>
-              </a:rPr>
-              <a:t>/31</a:t>
-            </a:r>
+              <a:rPr lang="en-US" altLang="ko-KR" sz="1050" b="1" dirty="0" smtClean="0">
+                <a:latin typeface="+mn-ea"/>
+                <a:ea typeface="+mn-ea"/>
+              </a:rPr>
+              <a:t>/16</a:t>
+            </a:r>
+            <a:endParaRPr lang="en-US" altLang="ko-KR" sz="1050" b="1" dirty="0">
+              <a:latin typeface="+mn-ea"/>
+              <a:ea typeface="+mn-ea"/>
+            </a:endParaRPr>
           </a:p>
         </p:txBody>
       </p:sp>
@@ -8113,7 +8087,7 @@
           <a:graphicData uri="http://schemas.openxmlformats.org/presentationml/2006/ole">
             <mc:AlternateContent xmlns:mc="http://schemas.openxmlformats.org/markup-compatibility/2006">
               <mc:Choice xmlns:v="urn:schemas-microsoft-com:vml" Requires="v">
-                <p:oleObj spid="_x0000_s3074" name="Equation" r:id="rId4" imgW="3543120" imgH="342720" progId="Equation.DSMT4">
+                <p:oleObj spid="_x0000_s3076" name="Equation" r:id="rId4" imgW="3543120" imgH="342720" progId="Equation.DSMT4">
                   <p:embed/>
                 </p:oleObj>
               </mc:Choice>
@@ -8739,6 +8713,10 @@
               <a:rPr kumimoji="0" lang="ko-KR" altLang="en-US" dirty="0"/>
               <a:t>장</a:t>
             </a:r>
+            <a:r>
+              <a:rPr kumimoji="0" lang="en-US" altLang="ko-KR" dirty="0"/>
+              <a:t/>
+            </a:r>
             <a:br>
               <a:rPr kumimoji="0" lang="en-US" altLang="ko-KR" dirty="0"/>
             </a:br>
@@ -8866,106 +8844,6 @@
                 <a:ea typeface="+mn-ea"/>
               </a:rPr>
               <a:t>감마분포</a:t>
-            </a:r>
-            <a:r>
-              <a:rPr lang="en-US" altLang="ko-KR" sz="2400" b="1" dirty="0">
-                <a:latin typeface="+mn-ea"/>
-                <a:ea typeface="+mn-ea"/>
-              </a:rPr>
-              <a:t>*</a:t>
-            </a:r>
-            <a:endParaRPr lang="ko-KR" altLang="en-US" sz="2400" b="1" dirty="0">
-              <a:latin typeface="+mn-ea"/>
-              <a:ea typeface="+mn-ea"/>
-            </a:endParaRPr>
-          </a:p>
-        </p:txBody>
-      </p:sp>
-      <p:sp>
-        <p:nvSpPr>
-          <p:cNvPr id="13" name="TextBox 12"/>
-          <p:cNvSpPr txBox="1"/>
-          <p:nvPr/>
-        </p:nvSpPr>
-        <p:spPr>
-          <a:xfrm>
-            <a:off x="1580404" y="4304199"/>
-            <a:ext cx="2952328" cy="461665"/>
-          </a:xfrm>
-          <a:prstGeom prst="rect">
-            <a:avLst/>
-          </a:prstGeom>
-          <a:noFill/>
-        </p:spPr>
-        <p:txBody>
-          <a:bodyPr wrap="square" rtlCol="0">
-            <a:spAutoFit/>
-          </a:bodyPr>
-          <a:lstStyle/>
-          <a:p>
-            <a:r>
-              <a:rPr lang="en-US" altLang="ko-KR" sz="2400" b="1" dirty="0">
-                <a:latin typeface="+mn-ea"/>
-                <a:ea typeface="+mn-ea"/>
-              </a:rPr>
-              <a:t>4. </a:t>
-            </a:r>
-            <a:r>
-              <a:rPr lang="ko-KR" altLang="en-US" sz="2400" b="1" dirty="0" err="1">
-                <a:latin typeface="+mn-ea"/>
-                <a:ea typeface="+mn-ea"/>
-              </a:rPr>
-              <a:t>와이블분포</a:t>
-            </a:r>
-            <a:r>
-              <a:rPr lang="en-US" altLang="ko-KR" sz="2400" b="1" dirty="0">
-                <a:latin typeface="+mn-ea"/>
-                <a:ea typeface="+mn-ea"/>
-              </a:rPr>
-              <a:t>*</a:t>
-            </a:r>
-            <a:endParaRPr lang="ko-KR" altLang="en-US" sz="2400" b="1" dirty="0">
-              <a:latin typeface="+mn-ea"/>
-              <a:ea typeface="+mn-ea"/>
-            </a:endParaRPr>
-          </a:p>
-        </p:txBody>
-      </p:sp>
-      <p:sp>
-        <p:nvSpPr>
-          <p:cNvPr id="14" name="TextBox 13"/>
-          <p:cNvSpPr txBox="1"/>
-          <p:nvPr/>
-        </p:nvSpPr>
-        <p:spPr>
-          <a:xfrm>
-            <a:off x="1580404" y="4827419"/>
-            <a:ext cx="2952328" cy="461665"/>
-          </a:xfrm>
-          <a:prstGeom prst="rect">
-            <a:avLst/>
-          </a:prstGeom>
-          <a:noFill/>
-        </p:spPr>
-        <p:txBody>
-          <a:bodyPr wrap="square" rtlCol="0">
-            <a:spAutoFit/>
-          </a:bodyPr>
-          <a:lstStyle/>
-          <a:p>
-            <a:r>
-              <a:rPr lang="en-US" altLang="ko-KR" sz="2400" b="1" dirty="0">
-                <a:latin typeface="+mn-ea"/>
-                <a:ea typeface="+mn-ea"/>
-              </a:rPr>
-              <a:t>5. </a:t>
-            </a:r>
-            <a:r>
-              <a:rPr lang="ko-KR" altLang="en-US" sz="2400" b="1" dirty="0">
-                <a:latin typeface="+mn-ea"/>
-                <a:ea typeface="+mn-ea"/>
-              </a:rPr>
-              <a:t>베타분포</a:t>
             </a:r>
             <a:r>
               <a:rPr lang="en-US" altLang="ko-KR" sz="2400" b="1" dirty="0">
@@ -9359,7 +9237,7 @@
           <a:graphicData uri="http://schemas.openxmlformats.org/presentationml/2006/ole">
             <mc:AlternateContent xmlns:mc="http://schemas.openxmlformats.org/markup-compatibility/2006">
               <mc:Choice xmlns:v="urn:schemas-microsoft-com:vml" Requires="v">
-                <p:oleObj spid="_x0000_s1026" name="Equation" r:id="rId3" imgW="1473120" imgH="342720" progId="Equation.DSMT4">
+                <p:oleObj spid="_x0000_s1028" name="Equation" r:id="rId3" imgW="1473120" imgH="342720" progId="Equation.DSMT4">
                   <p:embed/>
                 </p:oleObj>
               </mc:Choice>
@@ -11320,7 +11198,7 @@
           <a:graphicData uri="http://schemas.openxmlformats.org/presentationml/2006/ole">
             <mc:AlternateContent xmlns:mc="http://schemas.openxmlformats.org/markup-compatibility/2006">
               <mc:Choice xmlns:v="urn:schemas-microsoft-com:vml" Requires="v">
-                <p:oleObj spid="_x0000_s2050" name="Equation" r:id="rId3" imgW="1498320" imgH="342720" progId="Equation.DSMT4">
+                <p:oleObj spid="_x0000_s2052" name="Equation" r:id="rId3" imgW="1498320" imgH="342720" progId="Equation.DSMT4">
                   <p:embed/>
                 </p:oleObj>
               </mc:Choice>
